--- a/Documentation/Board Game ERD.pptx
+++ b/Documentation/Board Game ERD.pptx
@@ -259,7 +259,7 @@
           <a:p>
             <a:fld id="{3CD047C8-6810-BC4E-AEE0-EBAF708F2D18}" type="datetimeFigureOut">
               <a:rPr lang="en-US" smtClean="0"/>
-              <a:t>7/6/23</a:t>
+              <a:t>1/24/24</a:t>
             </a:fld>
             <a:endParaRPr lang="en-US"/>
           </a:p>
@@ -457,7 +457,7 @@
           <a:p>
             <a:fld id="{3CD047C8-6810-BC4E-AEE0-EBAF708F2D18}" type="datetimeFigureOut">
               <a:rPr lang="en-US" smtClean="0"/>
-              <a:t>7/6/23</a:t>
+              <a:t>1/24/24</a:t>
             </a:fld>
             <a:endParaRPr lang="en-US"/>
           </a:p>
@@ -665,7 +665,7 @@
           <a:p>
             <a:fld id="{3CD047C8-6810-BC4E-AEE0-EBAF708F2D18}" type="datetimeFigureOut">
               <a:rPr lang="en-US" smtClean="0"/>
-              <a:t>7/6/23</a:t>
+              <a:t>1/24/24</a:t>
             </a:fld>
             <a:endParaRPr lang="en-US"/>
           </a:p>
@@ -863,7 +863,7 @@
           <a:p>
             <a:fld id="{3CD047C8-6810-BC4E-AEE0-EBAF708F2D18}" type="datetimeFigureOut">
               <a:rPr lang="en-US" smtClean="0"/>
-              <a:t>7/6/23</a:t>
+              <a:t>1/24/24</a:t>
             </a:fld>
             <a:endParaRPr lang="en-US"/>
           </a:p>
@@ -1138,7 +1138,7 @@
           <a:p>
             <a:fld id="{3CD047C8-6810-BC4E-AEE0-EBAF708F2D18}" type="datetimeFigureOut">
               <a:rPr lang="en-US" smtClean="0"/>
-              <a:t>7/6/23</a:t>
+              <a:t>1/24/24</a:t>
             </a:fld>
             <a:endParaRPr lang="en-US"/>
           </a:p>
@@ -1403,7 +1403,7 @@
           <a:p>
             <a:fld id="{3CD047C8-6810-BC4E-AEE0-EBAF708F2D18}" type="datetimeFigureOut">
               <a:rPr lang="en-US" smtClean="0"/>
-              <a:t>7/6/23</a:t>
+              <a:t>1/24/24</a:t>
             </a:fld>
             <a:endParaRPr lang="en-US"/>
           </a:p>
@@ -1815,7 +1815,7 @@
           <a:p>
             <a:fld id="{3CD047C8-6810-BC4E-AEE0-EBAF708F2D18}" type="datetimeFigureOut">
               <a:rPr lang="en-US" smtClean="0"/>
-              <a:t>7/6/23</a:t>
+              <a:t>1/24/24</a:t>
             </a:fld>
             <a:endParaRPr lang="en-US"/>
           </a:p>
@@ -1956,7 +1956,7 @@
           <a:p>
             <a:fld id="{3CD047C8-6810-BC4E-AEE0-EBAF708F2D18}" type="datetimeFigureOut">
               <a:rPr lang="en-US" smtClean="0"/>
-              <a:t>7/6/23</a:t>
+              <a:t>1/24/24</a:t>
             </a:fld>
             <a:endParaRPr lang="en-US"/>
           </a:p>
@@ -2069,7 +2069,7 @@
           <a:p>
             <a:fld id="{3CD047C8-6810-BC4E-AEE0-EBAF708F2D18}" type="datetimeFigureOut">
               <a:rPr lang="en-US" smtClean="0"/>
-              <a:t>7/6/23</a:t>
+              <a:t>1/24/24</a:t>
             </a:fld>
             <a:endParaRPr lang="en-US"/>
           </a:p>
@@ -2380,7 +2380,7 @@
           <a:p>
             <a:fld id="{3CD047C8-6810-BC4E-AEE0-EBAF708F2D18}" type="datetimeFigureOut">
               <a:rPr lang="en-US" smtClean="0"/>
-              <a:t>7/6/23</a:t>
+              <a:t>1/24/24</a:t>
             </a:fld>
             <a:endParaRPr lang="en-US"/>
           </a:p>
@@ -2668,7 +2668,7 @@
           <a:p>
             <a:fld id="{3CD047C8-6810-BC4E-AEE0-EBAF708F2D18}" type="datetimeFigureOut">
               <a:rPr lang="en-US" smtClean="0"/>
-              <a:t>7/6/23</a:t>
+              <a:t>1/24/24</a:t>
             </a:fld>
             <a:endParaRPr lang="en-US"/>
           </a:p>
@@ -2909,7 +2909,7 @@
           <a:p>
             <a:fld id="{3CD047C8-6810-BC4E-AEE0-EBAF708F2D18}" type="datetimeFigureOut">
               <a:rPr lang="en-US" smtClean="0"/>
-              <a:t>7/6/23</a:t>
+              <a:t>1/24/24</a:t>
             </a:fld>
             <a:endParaRPr lang="en-US"/>
           </a:p>
@@ -4245,7 +4245,7 @@
         <p:spPr>
           <a:xfrm>
             <a:off x="621322" y="619761"/>
-            <a:ext cx="2555631" cy="1477328"/>
+            <a:ext cx="2555631" cy="1754326"/>
           </a:xfrm>
           <a:prstGeom prst="rect">
             <a:avLst/>
@@ -4315,6 +4315,20 @@
             <a:r>
               <a:rPr lang="en-US" dirty="0"/>
               <a:t>Comment (str)</a:t>
+            </a:r>
+          </a:p>
+          <a:p>
+            <a:pPr marL="285750" indent="-285750">
+              <a:buFontTx/>
+              <a:buChar char="-"/>
+            </a:pPr>
+            <a:r>
+              <a:rPr lang="en-US" dirty="0" err="1"/>
+              <a:t>Game_id</a:t>
+            </a:r>
+            <a:r>
+              <a:rPr lang="en-US" dirty="0"/>
+              <a:t> (int)</a:t>
             </a:r>
           </a:p>
         </p:txBody>
